--- a/Documents/ows/GSKY_build_all.pptx
+++ b/Documents/ows/GSKY_build_all.pptx
@@ -165,7 +165,7 @@
           <a:noFill/>
           <a:extLst>
             <a:ext uri="{909E8E84-426E-40dd-AFC4-6F175D3DCCD1}">
-              <a14:hiddenFill xmlns="" xmlns:a14="http://schemas.microsoft.com/office/drawing/2010/main">
+              <a14:hiddenFill xmlns:a14="http://schemas.microsoft.com/office/drawing/2010/main" xmlns="">
                 <a:solidFill>
                   <a:srgbClr val="FFFFFF"/>
                 </a:solidFill>
@@ -225,7 +225,7 @@
             </a:ln>
             <a:extLst>
               <a:ext uri="{91240B29-F687-4f45-9708-019B960494DF}">
-                <a14:hiddenLine xmlns="" xmlns:a14="http://schemas.microsoft.com/office/drawing/2010/main" w="9525">
+                <a14:hiddenLine xmlns:a14="http://schemas.microsoft.com/office/drawing/2010/main" xmlns="" w="9525">
                   <a:solidFill>
                     <a:srgbClr val="000000"/>
                   </a:solidFill>
@@ -315,7 +315,7 @@
             </a:ln>
             <a:extLst>
               <a:ext uri="{91240B29-F687-4f45-9708-019B960494DF}">
-                <a14:hiddenLine xmlns="" xmlns:a14="http://schemas.microsoft.com/office/drawing/2010/main" w="9525">
+                <a14:hiddenLine xmlns:a14="http://schemas.microsoft.com/office/drawing/2010/main" xmlns="" w="9525">
                   <a:solidFill>
                     <a:srgbClr val="000000"/>
                   </a:solidFill>
@@ -405,7 +405,7 @@
             </a:ln>
             <a:extLst>
               <a:ext uri="{91240B29-F687-4f45-9708-019B960494DF}">
-                <a14:hiddenLine xmlns="" xmlns:a14="http://schemas.microsoft.com/office/drawing/2010/main" w="9525">
+                <a14:hiddenLine xmlns:a14="http://schemas.microsoft.com/office/drawing/2010/main" xmlns="" w="9525">
                   <a:solidFill>
                     <a:srgbClr val="000000"/>
                   </a:solidFill>
@@ -439,7 +439,7 @@
             </a:ln>
             <a:extLst>
               <a:ext uri="{91240B29-F687-4f45-9708-019B960494DF}">
-                <a14:hiddenLine xmlns="" xmlns:a14="http://schemas.microsoft.com/office/drawing/2010/main" w="9525">
+                <a14:hiddenLine xmlns:a14="http://schemas.microsoft.com/office/drawing/2010/main" xmlns="" w="9525">
                   <a:solidFill>
                     <a:srgbClr val="000000"/>
                   </a:solidFill>
@@ -529,7 +529,7 @@
             </a:ln>
             <a:extLst>
               <a:ext uri="{91240B29-F687-4f45-9708-019B960494DF}">
-                <a14:hiddenLine xmlns="" xmlns:a14="http://schemas.microsoft.com/office/drawing/2010/main" w="9525">
+                <a14:hiddenLine xmlns:a14="http://schemas.microsoft.com/office/drawing/2010/main" xmlns="" w="9525">
                   <a:solidFill>
                     <a:srgbClr val="000000"/>
                   </a:solidFill>
@@ -591,7 +591,7 @@
             </a:ln>
             <a:extLst>
               <a:ext uri="{91240B29-F687-4f45-9708-019B960494DF}">
-                <a14:hiddenLine xmlns="" xmlns:a14="http://schemas.microsoft.com/office/drawing/2010/main" w="9525">
+                <a14:hiddenLine xmlns:a14="http://schemas.microsoft.com/office/drawing/2010/main" xmlns="" w="9525">
                   <a:solidFill>
                     <a:srgbClr val="000000"/>
                   </a:solidFill>
@@ -653,7 +653,7 @@
             </a:ln>
             <a:extLst>
               <a:ext uri="{91240B29-F687-4f45-9708-019B960494DF}">
-                <a14:hiddenLine xmlns="" xmlns:a14="http://schemas.microsoft.com/office/drawing/2010/main" w="9525">
+                <a14:hiddenLine xmlns:a14="http://schemas.microsoft.com/office/drawing/2010/main" xmlns="" w="9525">
                   <a:solidFill>
                     <a:srgbClr val="000000"/>
                   </a:solidFill>
@@ -743,7 +743,7 @@
             </a:ln>
             <a:extLst>
               <a:ext uri="{91240B29-F687-4f45-9708-019B960494DF}">
-                <a14:hiddenLine xmlns="" xmlns:a14="http://schemas.microsoft.com/office/drawing/2010/main" w="9525">
+                <a14:hiddenLine xmlns:a14="http://schemas.microsoft.com/office/drawing/2010/main" xmlns="" w="9525">
                   <a:solidFill>
                     <a:srgbClr val="000000"/>
                   </a:solidFill>
@@ -805,7 +805,7 @@
             </a:ln>
             <a:extLst>
               <a:ext uri="{91240B29-F687-4f45-9708-019B960494DF}">
-                <a14:hiddenLine xmlns="" xmlns:a14="http://schemas.microsoft.com/office/drawing/2010/main" w="9525">
+                <a14:hiddenLine xmlns:a14="http://schemas.microsoft.com/office/drawing/2010/main" xmlns="" w="9525">
                   <a:solidFill>
                     <a:srgbClr val="000000"/>
                   </a:solidFill>
@@ -867,7 +867,7 @@
             </a:ln>
             <a:extLst>
               <a:ext uri="{91240B29-F687-4f45-9708-019B960494DF}">
-                <a14:hiddenLine xmlns="" xmlns:a14="http://schemas.microsoft.com/office/drawing/2010/main" w="9525">
+                <a14:hiddenLine xmlns:a14="http://schemas.microsoft.com/office/drawing/2010/main" xmlns="" w="9525">
                   <a:solidFill>
                     <a:srgbClr val="000000"/>
                   </a:solidFill>
@@ -957,7 +957,7 @@
             </a:ln>
             <a:extLst>
               <a:ext uri="{91240B29-F687-4f45-9708-019B960494DF}">
-                <a14:hiddenLine xmlns="" xmlns:a14="http://schemas.microsoft.com/office/drawing/2010/main" w="9525">
+                <a14:hiddenLine xmlns:a14="http://schemas.microsoft.com/office/drawing/2010/main" xmlns="" w="9525">
                   <a:solidFill>
                     <a:srgbClr val="000000"/>
                   </a:solidFill>
@@ -1047,7 +1047,7 @@
             </a:ln>
             <a:extLst>
               <a:ext uri="{91240B29-F687-4f45-9708-019B960494DF}">
-                <a14:hiddenLine xmlns="" xmlns:a14="http://schemas.microsoft.com/office/drawing/2010/main" w="9525">
+                <a14:hiddenLine xmlns:a14="http://schemas.microsoft.com/office/drawing/2010/main" xmlns="" w="9525">
                   <a:solidFill>
                     <a:srgbClr val="000000"/>
                   </a:solidFill>
@@ -1109,7 +1109,7 @@
             </a:ln>
             <a:extLst>
               <a:ext uri="{91240B29-F687-4f45-9708-019B960494DF}">
-                <a14:hiddenLine xmlns="" xmlns:a14="http://schemas.microsoft.com/office/drawing/2010/main" w="9525">
+                <a14:hiddenLine xmlns:a14="http://schemas.microsoft.com/office/drawing/2010/main" xmlns="" w="9525">
                   <a:solidFill>
                     <a:srgbClr val="000000"/>
                   </a:solidFill>
@@ -1219,7 +1219,7 @@
             </a:ln>
             <a:extLst>
               <a:ext uri="{91240B29-F687-4f45-9708-019B960494DF}">
-                <a14:hiddenLine xmlns="" xmlns:a14="http://schemas.microsoft.com/office/drawing/2010/main" w="9525">
+                <a14:hiddenLine xmlns:a14="http://schemas.microsoft.com/office/drawing/2010/main" xmlns="" w="9525">
                   <a:solidFill>
                     <a:srgbClr val="000000"/>
                   </a:solidFill>
@@ -1281,7 +1281,7 @@
             </a:ln>
             <a:extLst>
               <a:ext uri="{91240B29-F687-4f45-9708-019B960494DF}">
-                <a14:hiddenLine xmlns="" xmlns:a14="http://schemas.microsoft.com/office/drawing/2010/main" w="9525">
+                <a14:hiddenLine xmlns:a14="http://schemas.microsoft.com/office/drawing/2010/main" xmlns="" w="9525">
                   <a:solidFill>
                     <a:srgbClr val="000000"/>
                   </a:solidFill>
@@ -1371,7 +1371,7 @@
             </a:ln>
             <a:extLst>
               <a:ext uri="{91240B29-F687-4f45-9708-019B960494DF}">
-                <a14:hiddenLine xmlns="" xmlns:a14="http://schemas.microsoft.com/office/drawing/2010/main" w="9525">
+                <a14:hiddenLine xmlns:a14="http://schemas.microsoft.com/office/drawing/2010/main" xmlns="" w="9525">
                   <a:solidFill>
                     <a:srgbClr val="000000"/>
                   </a:solidFill>
@@ -1461,7 +1461,7 @@
             </a:ln>
             <a:extLst>
               <a:ext uri="{91240B29-F687-4f45-9708-019B960494DF}">
-                <a14:hiddenLine xmlns="" xmlns:a14="http://schemas.microsoft.com/office/drawing/2010/main" w="9525">
+                <a14:hiddenLine xmlns:a14="http://schemas.microsoft.com/office/drawing/2010/main" xmlns="" w="9525">
                   <a:solidFill>
                     <a:srgbClr val="000000"/>
                   </a:solidFill>
@@ -1523,7 +1523,7 @@
             </a:ln>
             <a:extLst>
               <a:ext uri="{91240B29-F687-4f45-9708-019B960494DF}">
-                <a14:hiddenLine xmlns="" xmlns:a14="http://schemas.microsoft.com/office/drawing/2010/main" w="9525">
+                <a14:hiddenLine xmlns:a14="http://schemas.microsoft.com/office/drawing/2010/main" xmlns="" w="9525">
                   <a:solidFill>
                     <a:srgbClr val="000000"/>
                   </a:solidFill>
@@ -1613,7 +1613,7 @@
             </a:ln>
             <a:extLst>
               <a:ext uri="{91240B29-F687-4f45-9708-019B960494DF}">
-                <a14:hiddenLine xmlns="" xmlns:a14="http://schemas.microsoft.com/office/drawing/2010/main" w="9525">
+                <a14:hiddenLine xmlns:a14="http://schemas.microsoft.com/office/drawing/2010/main" xmlns="" w="9525">
                   <a:solidFill>
                     <a:srgbClr val="000000"/>
                   </a:solidFill>
@@ -1703,7 +1703,7 @@
             </a:ln>
             <a:extLst>
               <a:ext uri="{91240B29-F687-4f45-9708-019B960494DF}">
-                <a14:hiddenLine xmlns="" xmlns:a14="http://schemas.microsoft.com/office/drawing/2010/main" w="9525">
+                <a14:hiddenLine xmlns:a14="http://schemas.microsoft.com/office/drawing/2010/main" xmlns="" w="9525">
                   <a:solidFill>
                     <a:srgbClr val="000000"/>
                   </a:solidFill>
@@ -1759,7 +1759,7 @@
             </a:ln>
             <a:extLst>
               <a:ext uri="{91240B29-F687-4f45-9708-019B960494DF}">
-                <a14:hiddenLine xmlns="" xmlns:a14="http://schemas.microsoft.com/office/drawing/2010/main" w="9525">
+                <a14:hiddenLine xmlns:a14="http://schemas.microsoft.com/office/drawing/2010/main" xmlns="" w="9525">
                   <a:solidFill>
                     <a:srgbClr val="000000"/>
                   </a:solidFill>
@@ -1849,7 +1849,7 @@
             </a:ln>
             <a:extLst>
               <a:ext uri="{91240B29-F687-4f45-9708-019B960494DF}">
-                <a14:hiddenLine xmlns="" xmlns:a14="http://schemas.microsoft.com/office/drawing/2010/main" w="9525">
+                <a14:hiddenLine xmlns:a14="http://schemas.microsoft.com/office/drawing/2010/main" xmlns="" w="9525">
                   <a:solidFill>
                     <a:srgbClr val="000000"/>
                   </a:solidFill>
@@ -1905,7 +1905,7 @@
             </a:ln>
             <a:extLst>
               <a:ext uri="{91240B29-F687-4f45-9708-019B960494DF}">
-                <a14:hiddenLine xmlns="" xmlns:a14="http://schemas.microsoft.com/office/drawing/2010/main" w="9525">
+                <a14:hiddenLine xmlns:a14="http://schemas.microsoft.com/office/drawing/2010/main" xmlns="" w="9525">
                   <a:solidFill>
                     <a:srgbClr val="000000"/>
                   </a:solidFill>
@@ -1995,7 +1995,7 @@
             </a:ln>
             <a:extLst>
               <a:ext uri="{91240B29-F687-4f45-9708-019B960494DF}">
-                <a14:hiddenLine xmlns="" xmlns:a14="http://schemas.microsoft.com/office/drawing/2010/main" w="9525">
+                <a14:hiddenLine xmlns:a14="http://schemas.microsoft.com/office/drawing/2010/main" xmlns="" w="9525">
                   <a:solidFill>
                     <a:srgbClr val="000000"/>
                   </a:solidFill>
@@ -2063,7 +2063,7 @@
             </a:ln>
             <a:extLst>
               <a:ext uri="{91240B29-F687-4f45-9708-019B960494DF}">
-                <a14:hiddenLine xmlns="" xmlns:a14="http://schemas.microsoft.com/office/drawing/2010/main" w="9525">
+                <a14:hiddenLine xmlns:a14="http://schemas.microsoft.com/office/drawing/2010/main" xmlns="" w="9525">
                   <a:solidFill>
                     <a:srgbClr val="000000"/>
                   </a:solidFill>
@@ -2153,7 +2153,7 @@
             </a:ln>
             <a:extLst>
               <a:ext uri="{91240B29-F687-4f45-9708-019B960494DF}">
-                <a14:hiddenLine xmlns="" xmlns:a14="http://schemas.microsoft.com/office/drawing/2010/main" w="9525">
+                <a14:hiddenLine xmlns:a14="http://schemas.microsoft.com/office/drawing/2010/main" xmlns="" w="9525">
                   <a:solidFill>
                     <a:srgbClr val="000000"/>
                   </a:solidFill>
@@ -2221,7 +2221,7 @@
             </a:ln>
             <a:extLst>
               <a:ext uri="{91240B29-F687-4f45-9708-019B960494DF}">
-                <a14:hiddenLine xmlns="" xmlns:a14="http://schemas.microsoft.com/office/drawing/2010/main" w="9525">
+                <a14:hiddenLine xmlns:a14="http://schemas.microsoft.com/office/drawing/2010/main" xmlns="" w="9525">
                   <a:solidFill>
                     <a:srgbClr val="000000"/>
                   </a:solidFill>
@@ -2311,7 +2311,7 @@
             </a:ln>
             <a:extLst>
               <a:ext uri="{91240B29-F687-4f45-9708-019B960494DF}">
-                <a14:hiddenLine xmlns="" xmlns:a14="http://schemas.microsoft.com/office/drawing/2010/main" w="9525">
+                <a14:hiddenLine xmlns:a14="http://schemas.microsoft.com/office/drawing/2010/main" xmlns="" w="9525">
                   <a:solidFill>
                     <a:srgbClr val="000000"/>
                   </a:solidFill>
@@ -2345,7 +2345,7 @@
             </a:ln>
             <a:extLst>
               <a:ext uri="{91240B29-F687-4f45-9708-019B960494DF}">
-                <a14:hiddenLine xmlns="" xmlns:a14="http://schemas.microsoft.com/office/drawing/2010/main" w="9525">
+                <a14:hiddenLine xmlns:a14="http://schemas.microsoft.com/office/drawing/2010/main" xmlns="" w="9525">
                   <a:solidFill>
                     <a:srgbClr val="000000"/>
                   </a:solidFill>
@@ -2435,7 +2435,7 @@
             </a:ln>
             <a:extLst>
               <a:ext uri="{91240B29-F687-4f45-9708-019B960494DF}">
-                <a14:hiddenLine xmlns="" xmlns:a14="http://schemas.microsoft.com/office/drawing/2010/main" w="9525">
+                <a14:hiddenLine xmlns:a14="http://schemas.microsoft.com/office/drawing/2010/main" xmlns="" w="9525">
                   <a:solidFill>
                     <a:srgbClr val="000000"/>
                   </a:solidFill>
@@ -2497,7 +2497,7 @@
             </a:ln>
             <a:extLst>
               <a:ext uri="{91240B29-F687-4f45-9708-019B960494DF}">
-                <a14:hiddenLine xmlns="" xmlns:a14="http://schemas.microsoft.com/office/drawing/2010/main" w="9525">
+                <a14:hiddenLine xmlns:a14="http://schemas.microsoft.com/office/drawing/2010/main" xmlns="" w="9525">
                   <a:solidFill>
                     <a:srgbClr val="000000"/>
                   </a:solidFill>
@@ -2559,7 +2559,7 @@
             </a:ln>
             <a:extLst>
               <a:ext uri="{91240B29-F687-4f45-9708-019B960494DF}">
-                <a14:hiddenLine xmlns="" xmlns:a14="http://schemas.microsoft.com/office/drawing/2010/main" w="9525">
+                <a14:hiddenLine xmlns:a14="http://schemas.microsoft.com/office/drawing/2010/main" xmlns="" w="9525">
                   <a:solidFill>
                     <a:srgbClr val="000000"/>
                   </a:solidFill>
@@ -2649,7 +2649,7 @@
             </a:ln>
             <a:extLst>
               <a:ext uri="{91240B29-F687-4f45-9708-019B960494DF}">
-                <a14:hiddenLine xmlns="" xmlns:a14="http://schemas.microsoft.com/office/drawing/2010/main" w="9525">
+                <a14:hiddenLine xmlns:a14="http://schemas.microsoft.com/office/drawing/2010/main" xmlns="" w="9525">
                   <a:solidFill>
                     <a:srgbClr val="000000"/>
                   </a:solidFill>
@@ -2717,7 +2717,7 @@
             </a:ln>
             <a:extLst>
               <a:ext uri="{91240B29-F687-4f45-9708-019B960494DF}">
-                <a14:hiddenLine xmlns="" xmlns:a14="http://schemas.microsoft.com/office/drawing/2010/main" w="9525">
+                <a14:hiddenLine xmlns:a14="http://schemas.microsoft.com/office/drawing/2010/main" xmlns="" w="9525">
                   <a:solidFill>
                     <a:srgbClr val="000000"/>
                   </a:solidFill>
@@ -2779,7 +2779,7 @@
             </a:ln>
             <a:extLst>
               <a:ext uri="{91240B29-F687-4f45-9708-019B960494DF}">
-                <a14:hiddenLine xmlns="" xmlns:a14="http://schemas.microsoft.com/office/drawing/2010/main" w="9525">
+                <a14:hiddenLine xmlns:a14="http://schemas.microsoft.com/office/drawing/2010/main" xmlns="" w="9525">
                   <a:solidFill>
                     <a:srgbClr val="000000"/>
                   </a:solidFill>
@@ -2869,7 +2869,7 @@
             </a:ln>
             <a:extLst>
               <a:ext uri="{91240B29-F687-4f45-9708-019B960494DF}">
-                <a14:hiddenLine xmlns="" xmlns:a14="http://schemas.microsoft.com/office/drawing/2010/main" w="9525">
+                <a14:hiddenLine xmlns:a14="http://schemas.microsoft.com/office/drawing/2010/main" xmlns="" w="9525">
                   <a:solidFill>
                     <a:srgbClr val="000000"/>
                   </a:solidFill>
@@ -2931,7 +2931,7 @@
             </a:ln>
             <a:extLst>
               <a:ext uri="{91240B29-F687-4f45-9708-019B960494DF}">
-                <a14:hiddenLine xmlns="" xmlns:a14="http://schemas.microsoft.com/office/drawing/2010/main" w="9525">
+                <a14:hiddenLine xmlns:a14="http://schemas.microsoft.com/office/drawing/2010/main" xmlns="" w="9525">
                   <a:solidFill>
                     <a:srgbClr val="000000"/>
                   </a:solidFill>
@@ -3021,7 +3021,7 @@
             </a:ln>
             <a:extLst>
               <a:ext uri="{91240B29-F687-4f45-9708-019B960494DF}">
-                <a14:hiddenLine xmlns="" xmlns:a14="http://schemas.microsoft.com/office/drawing/2010/main" w="9525">
+                <a14:hiddenLine xmlns:a14="http://schemas.microsoft.com/office/drawing/2010/main" xmlns="" w="9525">
                   <a:solidFill>
                     <a:srgbClr val="000000"/>
                   </a:solidFill>
@@ -3083,7 +3083,7 @@
             </a:ln>
             <a:extLst>
               <a:ext uri="{91240B29-F687-4f45-9708-019B960494DF}">
-                <a14:hiddenLine xmlns="" xmlns:a14="http://schemas.microsoft.com/office/drawing/2010/main" w="9525">
+                <a14:hiddenLine xmlns:a14="http://schemas.microsoft.com/office/drawing/2010/main" xmlns="" w="9525">
                   <a:solidFill>
                     <a:srgbClr val="000000"/>
                   </a:solidFill>
@@ -3173,7 +3173,7 @@
             </a:ln>
             <a:extLst>
               <a:ext uri="{91240B29-F687-4f45-9708-019B960494DF}">
-                <a14:hiddenLine xmlns="" xmlns:a14="http://schemas.microsoft.com/office/drawing/2010/main" w="9525">
+                <a14:hiddenLine xmlns:a14="http://schemas.microsoft.com/office/drawing/2010/main" xmlns="" w="9525">
                   <a:solidFill>
                     <a:srgbClr val="000000"/>
                   </a:solidFill>
@@ -3207,7 +3207,7 @@
             </a:ln>
             <a:extLst>
               <a:ext uri="{91240B29-F687-4f45-9708-019B960494DF}">
-                <a14:hiddenLine xmlns="" xmlns:a14="http://schemas.microsoft.com/office/drawing/2010/main" w="9525">
+                <a14:hiddenLine xmlns:a14="http://schemas.microsoft.com/office/drawing/2010/main" xmlns="" w="9525">
                   <a:solidFill>
                     <a:srgbClr val="000000"/>
                   </a:solidFill>
@@ -3272,7 +3272,7 @@
             </a:ln>
             <a:extLst>
               <a:ext uri="{91240B29-F687-4f45-9708-019B960494DF}">
-                <a14:hiddenLine xmlns="" xmlns:a14="http://schemas.microsoft.com/office/drawing/2010/main" w="9525">
+                <a14:hiddenLine xmlns:a14="http://schemas.microsoft.com/office/drawing/2010/main" xmlns="" w="9525">
                   <a:solidFill>
                     <a:srgbClr val="000000"/>
                   </a:solidFill>
@@ -3362,7 +3362,7 @@
             </a:ln>
             <a:extLst>
               <a:ext uri="{91240B29-F687-4f45-9708-019B960494DF}">
-                <a14:hiddenLine xmlns="" xmlns:a14="http://schemas.microsoft.com/office/drawing/2010/main" w="9525">
+                <a14:hiddenLine xmlns:a14="http://schemas.microsoft.com/office/drawing/2010/main" xmlns="" w="9525">
                   <a:solidFill>
                     <a:srgbClr val="000000"/>
                   </a:solidFill>
@@ -3424,7 +3424,7 @@
             </a:ln>
             <a:extLst>
               <a:ext uri="{91240B29-F687-4f45-9708-019B960494DF}">
-                <a14:hiddenLine xmlns="" xmlns:a14="http://schemas.microsoft.com/office/drawing/2010/main" w="9525">
+                <a14:hiddenLine xmlns:a14="http://schemas.microsoft.com/office/drawing/2010/main" xmlns="" w="9525">
                   <a:solidFill>
                     <a:srgbClr val="000000"/>
                   </a:solidFill>
@@ -3514,7 +3514,7 @@
             </a:ln>
             <a:extLst>
               <a:ext uri="{91240B29-F687-4f45-9708-019B960494DF}">
-                <a14:hiddenLine xmlns="" xmlns:a14="http://schemas.microsoft.com/office/drawing/2010/main" w="9525">
+                <a14:hiddenLine xmlns:a14="http://schemas.microsoft.com/office/drawing/2010/main" xmlns="" w="9525">
                   <a:solidFill>
                     <a:srgbClr val="000000"/>
                   </a:solidFill>
@@ -3604,7 +3604,7 @@
             </a:ln>
             <a:extLst>
               <a:ext uri="{91240B29-F687-4f45-9708-019B960494DF}">
-                <a14:hiddenLine xmlns="" xmlns:a14="http://schemas.microsoft.com/office/drawing/2010/main" w="9525">
+                <a14:hiddenLine xmlns:a14="http://schemas.microsoft.com/office/drawing/2010/main" xmlns="" w="9525">
                   <a:solidFill>
                     <a:srgbClr val="000000"/>
                   </a:solidFill>
@@ -3669,7 +3669,7 @@
             </a:ln>
             <a:extLst>
               <a:ext uri="{91240B29-F687-4f45-9708-019B960494DF}">
-                <a14:hiddenLine xmlns="" xmlns:a14="http://schemas.microsoft.com/office/drawing/2010/main" w="9525">
+                <a14:hiddenLine xmlns:a14="http://schemas.microsoft.com/office/drawing/2010/main" xmlns="" w="9525">
                   <a:solidFill>
                     <a:srgbClr val="000000"/>
                   </a:solidFill>
@@ -3731,7 +3731,7 @@
             </a:ln>
             <a:extLst>
               <a:ext uri="{91240B29-F687-4f45-9708-019B960494DF}">
-                <a14:hiddenLine xmlns="" xmlns:a14="http://schemas.microsoft.com/office/drawing/2010/main" w="9525">
+                <a14:hiddenLine xmlns:a14="http://schemas.microsoft.com/office/drawing/2010/main" xmlns="" w="9525">
                   <a:solidFill>
                     <a:srgbClr val="000000"/>
                   </a:solidFill>
@@ -3821,7 +3821,7 @@
             </a:ln>
             <a:extLst>
               <a:ext uri="{91240B29-F687-4f45-9708-019B960494DF}">
-                <a14:hiddenLine xmlns="" xmlns:a14="http://schemas.microsoft.com/office/drawing/2010/main" w="9525">
+                <a14:hiddenLine xmlns:a14="http://schemas.microsoft.com/office/drawing/2010/main" xmlns="" w="9525">
                   <a:solidFill>
                     <a:srgbClr val="000000"/>
                   </a:solidFill>
@@ -3911,7 +3911,7 @@
             </a:ln>
             <a:extLst>
               <a:ext uri="{91240B29-F687-4f45-9708-019B960494DF}">
-                <a14:hiddenLine xmlns="" xmlns:a14="http://schemas.microsoft.com/office/drawing/2010/main" w="9525">
+                <a14:hiddenLine xmlns:a14="http://schemas.microsoft.com/office/drawing/2010/main" xmlns="" w="9525">
                   <a:solidFill>
                     <a:srgbClr val="000000"/>
                   </a:solidFill>
@@ -3973,7 +3973,7 @@
             </a:ln>
             <a:extLst>
               <a:ext uri="{91240B29-F687-4f45-9708-019B960494DF}">
-                <a14:hiddenLine xmlns="" xmlns:a14="http://schemas.microsoft.com/office/drawing/2010/main" w="9525">
+                <a14:hiddenLine xmlns:a14="http://schemas.microsoft.com/office/drawing/2010/main" xmlns="" w="9525">
                   <a:solidFill>
                     <a:srgbClr val="000000"/>
                   </a:solidFill>
@@ -4093,7 +4093,7 @@
             </a:ln>
             <a:extLst>
               <a:ext uri="{91240B29-F687-4f45-9708-019B960494DF}">
-                <a14:hiddenLine xmlns="" xmlns:a14="http://schemas.microsoft.com/office/drawing/2010/main" w="9525">
+                <a14:hiddenLine xmlns:a14="http://schemas.microsoft.com/office/drawing/2010/main" xmlns="" w="9525">
                   <a:solidFill>
                     <a:srgbClr val="000000"/>
                   </a:solidFill>
@@ -4161,7 +4161,7 @@
             </a:ln>
             <a:extLst>
               <a:ext uri="{91240B29-F687-4f45-9708-019B960494DF}">
-                <a14:hiddenLine xmlns="" xmlns:a14="http://schemas.microsoft.com/office/drawing/2010/main" w="9525">
+                <a14:hiddenLine xmlns:a14="http://schemas.microsoft.com/office/drawing/2010/main" xmlns="" w="9525">
                   <a:solidFill>
                     <a:srgbClr val="000000"/>
                   </a:solidFill>
@@ -4251,7 +4251,7 @@
             </a:ln>
             <a:extLst>
               <a:ext uri="{91240B29-F687-4f45-9708-019B960494DF}">
-                <a14:hiddenLine xmlns="" xmlns:a14="http://schemas.microsoft.com/office/drawing/2010/main" w="9525">
+                <a14:hiddenLine xmlns:a14="http://schemas.microsoft.com/office/drawing/2010/main" xmlns="" w="9525">
                   <a:solidFill>
                     <a:srgbClr val="000000"/>
                   </a:solidFill>
@@ -4526,7 +4526,7 @@
           <a:p>
             <a:fld id="{48A87A34-81AB-432B-8DAE-1953F412C126}" type="datetimeFigureOut">
               <a:rPr lang="en-US" dirty="0"/>
-              <a:t>11/29/2018</a:t>
+              <a:t>3/16/2020</a:t>
             </a:fld>
             <a:endParaRPr lang="en-US" dirty="0"/>
           </a:p>
@@ -4717,7 +4717,7 @@
           <a:p>
             <a:fld id="{48A87A34-81AB-432B-8DAE-1953F412C126}" type="datetimeFigureOut">
               <a:rPr lang="en-US" dirty="0"/>
-              <a:t>11/29/2018</a:t>
+              <a:t>3/16/2020</a:t>
             </a:fld>
             <a:endParaRPr lang="en-US" dirty="0"/>
           </a:p>
@@ -4975,7 +4975,7 @@
           <a:p>
             <a:fld id="{48A87A34-81AB-432B-8DAE-1953F412C126}" type="datetimeFigureOut">
               <a:rPr lang="en-US" dirty="0"/>
-              <a:t>11/29/2018</a:t>
+              <a:t>3/16/2020</a:t>
             </a:fld>
             <a:endParaRPr lang="en-US" dirty="0"/>
           </a:p>
@@ -5404,7 +5404,7 @@
           <a:p>
             <a:fld id="{48A87A34-81AB-432B-8DAE-1953F412C126}" type="datetimeFigureOut">
               <a:rPr lang="en-US" dirty="0"/>
-              <a:t>11/29/2018</a:t>
+              <a:t>3/16/2020</a:t>
             </a:fld>
             <a:endParaRPr lang="en-US" dirty="0"/>
           </a:p>
@@ -5945,7 +5945,7 @@
           <a:p>
             <a:fld id="{48A87A34-81AB-432B-8DAE-1953F412C126}" type="datetimeFigureOut">
               <a:rPr lang="en-US" dirty="0"/>
-              <a:t>11/29/2018</a:t>
+              <a:t>3/16/2020</a:t>
             </a:fld>
             <a:endParaRPr lang="en-US" dirty="0"/>
           </a:p>
@@ -6660,7 +6660,7 @@
           <a:p>
             <a:fld id="{48A87A34-81AB-432B-8DAE-1953F412C126}" type="datetimeFigureOut">
               <a:rPr lang="en-US" dirty="0"/>
-              <a:t>11/29/2018</a:t>
+              <a:t>3/16/2020</a:t>
             </a:fld>
             <a:endParaRPr lang="en-US" dirty="0"/>
           </a:p>
@@ -6825,7 +6825,7 @@
           <a:p>
             <a:fld id="{48A87A34-81AB-432B-8DAE-1953F412C126}" type="datetimeFigureOut">
               <a:rPr lang="en-US" dirty="0"/>
-              <a:t>11/29/2018</a:t>
+              <a:t>3/16/2020</a:t>
             </a:fld>
             <a:endParaRPr lang="en-US" dirty="0"/>
           </a:p>
@@ -7000,7 +7000,7 @@
           <a:p>
             <a:fld id="{48A87A34-81AB-432B-8DAE-1953F412C126}" type="datetimeFigureOut">
               <a:rPr lang="en-US" dirty="0"/>
-              <a:t>11/29/2018</a:t>
+              <a:t>3/16/2020</a:t>
             </a:fld>
             <a:endParaRPr lang="en-US" dirty="0"/>
           </a:p>
@@ -7300,7 +7300,7 @@
           <a:p>
             <a:fld id="{48A87A34-81AB-432B-8DAE-1953F412C126}" type="datetimeFigureOut">
               <a:rPr lang="en-US" dirty="0"/>
-              <a:t>11/29/2018</a:t>
+              <a:t>3/16/2020</a:t>
             </a:fld>
             <a:endParaRPr lang="en-US" dirty="0"/>
           </a:p>
@@ -7527,7 +7527,7 @@
           <a:p>
             <a:fld id="{48A87A34-81AB-432B-8DAE-1953F412C126}" type="datetimeFigureOut">
               <a:rPr lang="en-US" dirty="0"/>
-              <a:t>11/29/2018</a:t>
+              <a:t>3/16/2020</a:t>
             </a:fld>
             <a:endParaRPr lang="en-US" dirty="0"/>
           </a:p>
@@ -7903,7 +7903,7 @@
           <a:p>
             <a:fld id="{48A87A34-81AB-432B-8DAE-1953F412C126}" type="datetimeFigureOut">
               <a:rPr lang="en-US" dirty="0"/>
-              <a:t>11/29/2018</a:t>
+              <a:t>3/16/2020</a:t>
             </a:fld>
             <a:endParaRPr lang="en-US" dirty="0"/>
           </a:p>
@@ -8016,7 +8016,7 @@
           <a:p>
             <a:fld id="{48A87A34-81AB-432B-8DAE-1953F412C126}" type="datetimeFigureOut">
               <a:rPr lang="en-US" dirty="0"/>
-              <a:t>11/29/2018</a:t>
+              <a:t>3/16/2020</a:t>
             </a:fld>
             <a:endParaRPr lang="en-US" dirty="0"/>
           </a:p>
@@ -8106,7 +8106,7 @@
           <a:p>
             <a:fld id="{48A87A34-81AB-432B-8DAE-1953F412C126}" type="datetimeFigureOut">
               <a:rPr lang="en-US" dirty="0"/>
-              <a:t>11/29/2018</a:t>
+              <a:t>3/16/2020</a:t>
             </a:fld>
             <a:endParaRPr lang="en-US" dirty="0"/>
           </a:p>
@@ -8350,7 +8350,7 @@
           <a:p>
             <a:fld id="{48A87A34-81AB-432B-8DAE-1953F412C126}" type="datetimeFigureOut">
               <a:rPr lang="en-US" dirty="0"/>
-              <a:t>11/29/2018</a:t>
+              <a:t>3/16/2020</a:t>
             </a:fld>
             <a:endParaRPr lang="en-US" dirty="0"/>
           </a:p>
@@ -8625,7 +8625,7 @@
           <a:p>
             <a:fld id="{48A87A34-81AB-432B-8DAE-1953F412C126}" type="datetimeFigureOut">
               <a:rPr lang="en-US" dirty="0"/>
-              <a:t>11/29/2018</a:t>
+              <a:t>3/16/2020</a:t>
             </a:fld>
             <a:endParaRPr lang="en-US" dirty="0"/>
           </a:p>
@@ -8736,7 +8736,7 @@
           <a:noFill/>
           <a:extLst>
             <a:ext uri="{909E8E84-426E-40dd-AFC4-6F175D3DCCD1}">
-              <a14:hiddenFill xmlns="" xmlns:a14="http://schemas.microsoft.com/office/drawing/2010/main">
+              <a14:hiddenFill xmlns:a14="http://schemas.microsoft.com/office/drawing/2010/main" xmlns="">
                 <a:solidFill>
                   <a:srgbClr val="FFFFFF"/>
                 </a:solidFill>
@@ -8810,7 +8810,7 @@
               </a:ln>
               <a:extLst>
                 <a:ext uri="{91240B29-F687-4f45-9708-019B960494DF}">
-                  <a14:hiddenLine xmlns="" xmlns:a14="http://schemas.microsoft.com/office/drawing/2010/main" w="9525">
+                  <a14:hiddenLine xmlns:a14="http://schemas.microsoft.com/office/drawing/2010/main" xmlns="" w="9525">
                     <a:solidFill>
                       <a:srgbClr val="000000"/>
                     </a:solidFill>
@@ -8900,7 +8900,7 @@
               </a:ln>
               <a:extLst>
                 <a:ext uri="{91240B29-F687-4f45-9708-019B960494DF}">
-                  <a14:hiddenLine xmlns="" xmlns:a14="http://schemas.microsoft.com/office/drawing/2010/main" w="9525">
+                  <a14:hiddenLine xmlns:a14="http://schemas.microsoft.com/office/drawing/2010/main" xmlns="" w="9525">
                     <a:solidFill>
                       <a:srgbClr val="000000"/>
                     </a:solidFill>
@@ -8990,7 +8990,7 @@
               </a:ln>
               <a:extLst>
                 <a:ext uri="{91240B29-F687-4f45-9708-019B960494DF}">
-                  <a14:hiddenLine xmlns="" xmlns:a14="http://schemas.microsoft.com/office/drawing/2010/main" w="9525">
+                  <a14:hiddenLine xmlns:a14="http://schemas.microsoft.com/office/drawing/2010/main" xmlns="" w="9525">
                     <a:solidFill>
                       <a:srgbClr val="000000"/>
                     </a:solidFill>
@@ -9052,7 +9052,7 @@
               </a:ln>
               <a:extLst>
                 <a:ext uri="{91240B29-F687-4f45-9708-019B960494DF}">
-                  <a14:hiddenLine xmlns="" xmlns:a14="http://schemas.microsoft.com/office/drawing/2010/main" w="9525">
+                  <a14:hiddenLine xmlns:a14="http://schemas.microsoft.com/office/drawing/2010/main" xmlns="" w="9525">
                     <a:solidFill>
                       <a:srgbClr val="000000"/>
                     </a:solidFill>
@@ -9142,7 +9142,7 @@
               </a:ln>
               <a:extLst>
                 <a:ext uri="{91240B29-F687-4f45-9708-019B960494DF}">
-                  <a14:hiddenLine xmlns="" xmlns:a14="http://schemas.microsoft.com/office/drawing/2010/main" w="9525">
+                  <a14:hiddenLine xmlns:a14="http://schemas.microsoft.com/office/drawing/2010/main" xmlns="" w="9525">
                     <a:solidFill>
                       <a:srgbClr val="000000"/>
                     </a:solidFill>
@@ -9204,7 +9204,7 @@
               </a:ln>
               <a:extLst>
                 <a:ext uri="{91240B29-F687-4f45-9708-019B960494DF}">
-                  <a14:hiddenLine xmlns="" xmlns:a14="http://schemas.microsoft.com/office/drawing/2010/main" w="9525">
+                  <a14:hiddenLine xmlns:a14="http://schemas.microsoft.com/office/drawing/2010/main" xmlns="" w="9525">
                     <a:solidFill>
                       <a:srgbClr val="000000"/>
                     </a:solidFill>
@@ -9266,7 +9266,7 @@
               </a:ln>
               <a:extLst>
                 <a:ext uri="{91240B29-F687-4f45-9708-019B960494DF}">
-                  <a14:hiddenLine xmlns="" xmlns:a14="http://schemas.microsoft.com/office/drawing/2010/main" w="9525">
+                  <a14:hiddenLine xmlns:a14="http://schemas.microsoft.com/office/drawing/2010/main" xmlns="" w="9525">
                     <a:solidFill>
                       <a:srgbClr val="000000"/>
                     </a:solidFill>
@@ -9356,7 +9356,7 @@
               </a:ln>
               <a:extLst>
                 <a:ext uri="{91240B29-F687-4f45-9708-019B960494DF}">
-                  <a14:hiddenLine xmlns="" xmlns:a14="http://schemas.microsoft.com/office/drawing/2010/main" w="9525">
+                  <a14:hiddenLine xmlns:a14="http://schemas.microsoft.com/office/drawing/2010/main" xmlns="" w="9525">
                     <a:solidFill>
                       <a:srgbClr val="000000"/>
                     </a:solidFill>
@@ -9446,7 +9446,7 @@
               </a:ln>
               <a:extLst>
                 <a:ext uri="{91240B29-F687-4f45-9708-019B960494DF}">
-                  <a14:hiddenLine xmlns="" xmlns:a14="http://schemas.microsoft.com/office/drawing/2010/main" w="9525">
+                  <a14:hiddenLine xmlns:a14="http://schemas.microsoft.com/office/drawing/2010/main" xmlns="" w="9525">
                     <a:solidFill>
                       <a:srgbClr val="000000"/>
                     </a:solidFill>
@@ -9508,7 +9508,7 @@
               </a:ln>
               <a:extLst>
                 <a:ext uri="{91240B29-F687-4f45-9708-019B960494DF}">
-                  <a14:hiddenLine xmlns="" xmlns:a14="http://schemas.microsoft.com/office/drawing/2010/main" w="9525">
+                  <a14:hiddenLine xmlns:a14="http://schemas.microsoft.com/office/drawing/2010/main" xmlns="" w="9525">
                     <a:solidFill>
                       <a:srgbClr val="000000"/>
                     </a:solidFill>
@@ -9618,7 +9618,7 @@
               </a:ln>
               <a:extLst>
                 <a:ext uri="{91240B29-F687-4f45-9708-019B960494DF}">
-                  <a14:hiddenLine xmlns="" xmlns:a14="http://schemas.microsoft.com/office/drawing/2010/main" w="9525">
+                  <a14:hiddenLine xmlns:a14="http://schemas.microsoft.com/office/drawing/2010/main" xmlns="" w="9525">
                     <a:solidFill>
                       <a:srgbClr val="000000"/>
                     </a:solidFill>
@@ -9702,7 +9702,7 @@
               </a:ln>
               <a:extLst>
                 <a:ext uri="{91240B29-F687-4f45-9708-019B960494DF}">
-                  <a14:hiddenLine xmlns="" xmlns:a14="http://schemas.microsoft.com/office/drawing/2010/main" w="9525">
+                  <a14:hiddenLine xmlns:a14="http://schemas.microsoft.com/office/drawing/2010/main" xmlns="" w="9525">
                     <a:solidFill>
                       <a:srgbClr val="000000"/>
                     </a:solidFill>
@@ -9764,7 +9764,7 @@
               </a:ln>
               <a:extLst>
                 <a:ext uri="{91240B29-F687-4f45-9708-019B960494DF}">
-                  <a14:hiddenLine xmlns="" xmlns:a14="http://schemas.microsoft.com/office/drawing/2010/main" w="9525">
+                  <a14:hiddenLine xmlns:a14="http://schemas.microsoft.com/office/drawing/2010/main" xmlns="" w="9525">
                     <a:solidFill>
                       <a:srgbClr val="000000"/>
                     </a:solidFill>
@@ -9826,7 +9826,7 @@
               </a:ln>
               <a:extLst>
                 <a:ext uri="{91240B29-F687-4f45-9708-019B960494DF}">
-                  <a14:hiddenLine xmlns="" xmlns:a14="http://schemas.microsoft.com/office/drawing/2010/main" w="9525">
+                  <a14:hiddenLine xmlns:a14="http://schemas.microsoft.com/office/drawing/2010/main" xmlns="" w="9525">
                     <a:solidFill>
                       <a:srgbClr val="000000"/>
                     </a:solidFill>
@@ -9916,7 +9916,7 @@
               </a:ln>
               <a:extLst>
                 <a:ext uri="{91240B29-F687-4f45-9708-019B960494DF}">
-                  <a14:hiddenLine xmlns="" xmlns:a14="http://schemas.microsoft.com/office/drawing/2010/main" w="9525">
+                  <a14:hiddenLine xmlns:a14="http://schemas.microsoft.com/office/drawing/2010/main" xmlns="" w="9525">
                     <a:solidFill>
                       <a:srgbClr val="000000"/>
                     </a:solidFill>
@@ -9950,7 +9950,7 @@
               </a:ln>
               <a:extLst>
                 <a:ext uri="{91240B29-F687-4f45-9708-019B960494DF}">
-                  <a14:hiddenLine xmlns="" xmlns:a14="http://schemas.microsoft.com/office/drawing/2010/main" w="9525">
+                  <a14:hiddenLine xmlns:a14="http://schemas.microsoft.com/office/drawing/2010/main" xmlns="" w="9525">
                     <a:solidFill>
                       <a:srgbClr val="000000"/>
                     </a:solidFill>
@@ -10015,7 +10015,7 @@
               </a:ln>
               <a:extLst>
                 <a:ext uri="{91240B29-F687-4f45-9708-019B960494DF}">
-                  <a14:hiddenLine xmlns="" xmlns:a14="http://schemas.microsoft.com/office/drawing/2010/main" w="9525">
+                  <a14:hiddenLine xmlns:a14="http://schemas.microsoft.com/office/drawing/2010/main" xmlns="" w="9525">
                     <a:solidFill>
                       <a:srgbClr val="000000"/>
                     </a:solidFill>
@@ -10105,7 +10105,7 @@
               </a:ln>
               <a:extLst>
                 <a:ext uri="{91240B29-F687-4f45-9708-019B960494DF}">
-                  <a14:hiddenLine xmlns="" xmlns:a14="http://schemas.microsoft.com/office/drawing/2010/main" w="9525">
+                  <a14:hiddenLine xmlns:a14="http://schemas.microsoft.com/office/drawing/2010/main" xmlns="" w="9525">
                     <a:solidFill>
                       <a:srgbClr val="000000"/>
                     </a:solidFill>
@@ -10167,7 +10167,7 @@
               </a:ln>
               <a:extLst>
                 <a:ext uri="{91240B29-F687-4f45-9708-019B960494DF}">
-                  <a14:hiddenLine xmlns="" xmlns:a14="http://schemas.microsoft.com/office/drawing/2010/main" w="9525">
+                  <a14:hiddenLine xmlns:a14="http://schemas.microsoft.com/office/drawing/2010/main" xmlns="" w="9525">
                     <a:solidFill>
                       <a:srgbClr val="000000"/>
                     </a:solidFill>
@@ -10257,7 +10257,7 @@
               </a:ln>
               <a:extLst>
                 <a:ext uri="{91240B29-F687-4f45-9708-019B960494DF}">
-                  <a14:hiddenLine xmlns="" xmlns:a14="http://schemas.microsoft.com/office/drawing/2010/main" w="9525">
+                  <a14:hiddenLine xmlns:a14="http://schemas.microsoft.com/office/drawing/2010/main" xmlns="" w="9525">
                     <a:solidFill>
                       <a:srgbClr val="000000"/>
                     </a:solidFill>
@@ -10322,7 +10322,7 @@
               </a:ln>
               <a:extLst>
                 <a:ext uri="{91240B29-F687-4f45-9708-019B960494DF}">
-                  <a14:hiddenLine xmlns="" xmlns:a14="http://schemas.microsoft.com/office/drawing/2010/main" w="9525">
+                  <a14:hiddenLine xmlns:a14="http://schemas.microsoft.com/office/drawing/2010/main" xmlns="" w="9525">
                     <a:solidFill>
                       <a:srgbClr val="000000"/>
                     </a:solidFill>
@@ -10384,7 +10384,7 @@
               </a:ln>
               <a:extLst>
                 <a:ext uri="{91240B29-F687-4f45-9708-019B960494DF}">
-                  <a14:hiddenLine xmlns="" xmlns:a14="http://schemas.microsoft.com/office/drawing/2010/main" w="9525">
+                  <a14:hiddenLine xmlns:a14="http://schemas.microsoft.com/office/drawing/2010/main" xmlns="" w="9525">
                     <a:solidFill>
                       <a:srgbClr val="000000"/>
                     </a:solidFill>
@@ -10474,7 +10474,7 @@
               </a:ln>
               <a:extLst>
                 <a:ext uri="{91240B29-F687-4f45-9708-019B960494DF}">
-                  <a14:hiddenLine xmlns="" xmlns:a14="http://schemas.microsoft.com/office/drawing/2010/main" w="9525">
+                  <a14:hiddenLine xmlns:a14="http://schemas.microsoft.com/office/drawing/2010/main" xmlns="" w="9525">
                     <a:solidFill>
                       <a:srgbClr val="000000"/>
                     </a:solidFill>
@@ -10564,7 +10564,7 @@
               </a:ln>
               <a:extLst>
                 <a:ext uri="{91240B29-F687-4f45-9708-019B960494DF}">
-                  <a14:hiddenLine xmlns="" xmlns:a14="http://schemas.microsoft.com/office/drawing/2010/main" w="9525">
+                  <a14:hiddenLine xmlns:a14="http://schemas.microsoft.com/office/drawing/2010/main" xmlns="" w="9525">
                     <a:solidFill>
                       <a:srgbClr val="000000"/>
                     </a:solidFill>
@@ -10629,7 +10629,7 @@
               </a:ln>
               <a:extLst>
                 <a:ext uri="{91240B29-F687-4f45-9708-019B960494DF}">
-                  <a14:hiddenLine xmlns="" xmlns:a14="http://schemas.microsoft.com/office/drawing/2010/main" w="9525">
+                  <a14:hiddenLine xmlns:a14="http://schemas.microsoft.com/office/drawing/2010/main" xmlns="" w="9525">
                     <a:solidFill>
                       <a:srgbClr val="000000"/>
                     </a:solidFill>
@@ -10749,7 +10749,7 @@
               </a:ln>
               <a:extLst>
                 <a:ext uri="{91240B29-F687-4f45-9708-019B960494DF}">
-                  <a14:hiddenLine xmlns="" xmlns:a14="http://schemas.microsoft.com/office/drawing/2010/main" w="9525">
+                  <a14:hiddenLine xmlns:a14="http://schemas.microsoft.com/office/drawing/2010/main" xmlns="" w="9525">
                     <a:solidFill>
                       <a:srgbClr val="000000"/>
                     </a:solidFill>
@@ -10847,7 +10847,7 @@
               </a:ln>
               <a:extLst>
                 <a:ext uri="{91240B29-F687-4f45-9708-019B960494DF}">
-                  <a14:hiddenLine xmlns="" xmlns:a14="http://schemas.microsoft.com/office/drawing/2010/main" w="9525">
+                  <a14:hiddenLine xmlns:a14="http://schemas.microsoft.com/office/drawing/2010/main" xmlns="" w="9525">
                     <a:solidFill>
                       <a:srgbClr val="000000"/>
                     </a:solidFill>
@@ -10962,7 +10962,7 @@
               </a:ln>
               <a:extLst>
                 <a:ext uri="{91240B29-F687-4f45-9708-019B960494DF}">
-                  <a14:hiddenLine xmlns="" xmlns:a14="http://schemas.microsoft.com/office/drawing/2010/main" w="9525">
+                  <a14:hiddenLine xmlns:a14="http://schemas.microsoft.com/office/drawing/2010/main" xmlns="" w="9525">
                     <a:solidFill>
                       <a:srgbClr val="000000"/>
                     </a:solidFill>
@@ -11052,7 +11052,7 @@
               </a:ln>
               <a:extLst>
                 <a:ext uri="{91240B29-F687-4f45-9708-019B960494DF}">
-                  <a14:hiddenLine xmlns="" xmlns:a14="http://schemas.microsoft.com/office/drawing/2010/main" w="9525">
+                  <a14:hiddenLine xmlns:a14="http://schemas.microsoft.com/office/drawing/2010/main" xmlns="" w="9525">
                     <a:solidFill>
                       <a:srgbClr val="000000"/>
                     </a:solidFill>
@@ -11117,7 +11117,7 @@
               </a:ln>
               <a:extLst>
                 <a:ext uri="{91240B29-F687-4f45-9708-019B960494DF}">
-                  <a14:hiddenLine xmlns="" xmlns:a14="http://schemas.microsoft.com/office/drawing/2010/main" w="9525">
+                  <a14:hiddenLine xmlns:a14="http://schemas.microsoft.com/office/drawing/2010/main" xmlns="" w="9525">
                     <a:solidFill>
                       <a:srgbClr val="000000"/>
                     </a:solidFill>
@@ -11207,7 +11207,7 @@
               </a:ln>
               <a:extLst>
                 <a:ext uri="{91240B29-F687-4f45-9708-019B960494DF}">
-                  <a14:hiddenLine xmlns="" xmlns:a14="http://schemas.microsoft.com/office/drawing/2010/main" w="9525">
+                  <a14:hiddenLine xmlns:a14="http://schemas.microsoft.com/office/drawing/2010/main" xmlns="" w="9525">
                     <a:solidFill>
                       <a:srgbClr val="000000"/>
                     </a:solidFill>
@@ -11275,7 +11275,7 @@
               </a:ln>
               <a:extLst>
                 <a:ext uri="{91240B29-F687-4f45-9708-019B960494DF}">
-                  <a14:hiddenLine xmlns="" xmlns:a14="http://schemas.microsoft.com/office/drawing/2010/main" w="9525">
+                  <a14:hiddenLine xmlns:a14="http://schemas.microsoft.com/office/drawing/2010/main" xmlns="" w="9525">
                     <a:solidFill>
                       <a:srgbClr val="000000"/>
                     </a:solidFill>
@@ -11365,7 +11365,7 @@
               </a:ln>
               <a:extLst>
                 <a:ext uri="{91240B29-F687-4f45-9708-019B960494DF}">
-                  <a14:hiddenLine xmlns="" xmlns:a14="http://schemas.microsoft.com/office/drawing/2010/main" w="9525">
+                  <a14:hiddenLine xmlns:a14="http://schemas.microsoft.com/office/drawing/2010/main" xmlns="" w="9525">
                     <a:solidFill>
                       <a:srgbClr val="000000"/>
                     </a:solidFill>
@@ -11433,7 +11433,7 @@
               </a:ln>
               <a:extLst>
                 <a:ext uri="{91240B29-F687-4f45-9708-019B960494DF}">
-                  <a14:hiddenLine xmlns="" xmlns:a14="http://schemas.microsoft.com/office/drawing/2010/main" w="9525">
+                  <a14:hiddenLine xmlns:a14="http://schemas.microsoft.com/office/drawing/2010/main" xmlns="" w="9525">
                     <a:solidFill>
                       <a:srgbClr val="000000"/>
                     </a:solidFill>
@@ -11523,7 +11523,7 @@
               </a:ln>
               <a:extLst>
                 <a:ext uri="{91240B29-F687-4f45-9708-019B960494DF}">
-                  <a14:hiddenLine xmlns="" xmlns:a14="http://schemas.microsoft.com/office/drawing/2010/main" w="9525">
+                  <a14:hiddenLine xmlns:a14="http://schemas.microsoft.com/office/drawing/2010/main" xmlns="" w="9525">
                     <a:solidFill>
                       <a:srgbClr val="000000"/>
                     </a:solidFill>
@@ -11557,7 +11557,7 @@
               </a:ln>
               <a:extLst>
                 <a:ext uri="{91240B29-F687-4f45-9708-019B960494DF}">
-                  <a14:hiddenLine xmlns="" xmlns:a14="http://schemas.microsoft.com/office/drawing/2010/main" w="9525">
+                  <a14:hiddenLine xmlns:a14="http://schemas.microsoft.com/office/drawing/2010/main" xmlns="" w="9525">
                     <a:solidFill>
                       <a:srgbClr val="000000"/>
                     </a:solidFill>
@@ -11698,7 +11698,7 @@
             <a:fld id="{48A87A34-81AB-432B-8DAE-1953F412C126}" type="datetimeFigureOut">
               <a:rPr lang="en-US" dirty="0"/>
               <a:pPr/>
-              <a:t>11/29/2018</a:t>
+              <a:t>3/16/2020</a:t>
             </a:fld>
             <a:endParaRPr lang="en-US" dirty="0"/>
           </a:p>
@@ -12391,7 +12391,7 @@
         <p:spPr>
           <a:xfrm>
             <a:off x="1965011" y="3334443"/>
-            <a:ext cx="5642421" cy="461665"/>
+            <a:ext cx="6558787" cy="461665"/>
           </a:xfrm>
           <a:prstGeom prst="rect">
             <a:avLst/>
@@ -12405,7 +12405,7 @@
           <a:lstStyle/>
           <a:p>
             <a:r>
-              <a:rPr lang="en-AU" sz="2400" b="1">
+              <a:rPr lang="en-AU" sz="2400" b="1" dirty="0">
                 <a:solidFill>
                   <a:srgbClr val="FFFF00"/>
                 </a:solidFill>
@@ -12417,9 +12417,9 @@
                   </a:outerShdw>
                 </a:effectLst>
               </a:rPr>
-              <a:t>Slide show will begin in 5 seconds !</a:t>
+              <a:t>This document must be viewed as a slide show</a:t>
             </a:r>
-            <a:endParaRPr lang="en-GB" sz="2400" b="1">
+            <a:endParaRPr lang="en-GB" sz="2400" b="1" dirty="0">
               <a:solidFill>
                 <a:srgbClr val="FFFF00"/>
               </a:solidFill>
@@ -12526,11 +12526,11 @@
   <p:clrMapOvr>
     <a:masterClrMapping/>
   </p:clrMapOvr>
-  <mc:AlternateContent xmlns:mc="http://schemas.openxmlformats.org/markup-compatibility/2006">
-    <mc:Choice xmlns:p14="http://schemas.microsoft.com/office/powerpoint/2010/main" Requires="p14">
+  <mc:AlternateContent xmlns:mc="http://schemas.openxmlformats.org/markup-compatibility/2006" xmlns:p14="http://schemas.microsoft.com/office/powerpoint/2010/main">
+    <mc:Choice Requires="p14">
       <p:transition spd="slow" p14:dur="2000" advTm="16020"/>
     </mc:Choice>
-    <mc:Fallback>
+    <mc:Fallback xmlns="">
       <p:transition spd="slow" advTm="16020"/>
     </mc:Fallback>
   </mc:AlternateContent>
@@ -14021,11 +14021,11 @@
   <p:clrMapOvr>
     <a:masterClrMapping/>
   </p:clrMapOvr>
-  <mc:AlternateContent xmlns:mc="http://schemas.openxmlformats.org/markup-compatibility/2006">
-    <mc:Choice xmlns:p14="http://schemas.microsoft.com/office/powerpoint/2010/main" Requires="p14">
+  <mc:AlternateContent xmlns:mc="http://schemas.openxmlformats.org/markup-compatibility/2006" xmlns:p14="http://schemas.microsoft.com/office/powerpoint/2010/main">
+    <mc:Choice Requires="p14">
       <p:transition spd="slow" p14:dur="2000" advTm="38790"/>
     </mc:Choice>
-    <mc:Fallback>
+    <mc:Fallback xmlns="">
       <p:transition spd="slow" advTm="38790"/>
     </mc:Fallback>
   </mc:AlternateContent>
@@ -27901,11 +27901,11 @@
   <p:clrMapOvr>
     <a:masterClrMapping/>
   </p:clrMapOvr>
-  <mc:AlternateContent xmlns:mc="http://schemas.openxmlformats.org/markup-compatibility/2006">
-    <mc:Choice xmlns:p14="http://schemas.microsoft.com/office/powerpoint/2010/main" Requires="p14">
+  <mc:AlternateContent xmlns:mc="http://schemas.openxmlformats.org/markup-compatibility/2006" xmlns:p14="http://schemas.microsoft.com/office/powerpoint/2010/main">
+    <mc:Choice Requires="p14">
       <p:transition spd="slow" p14:dur="2000" advTm="253861"/>
     </mc:Choice>
-    <mc:Fallback>
+    <mc:Fallback xmlns="">
       <p:transition spd="slow" advTm="253861"/>
     </mc:Fallback>
   </mc:AlternateContent>
@@ -34443,11 +34443,11 @@
   <p:clrMapOvr>
     <a:masterClrMapping/>
   </p:clrMapOvr>
-  <mc:AlternateContent xmlns:mc="http://schemas.openxmlformats.org/markup-compatibility/2006">
-    <mc:Choice xmlns:p14="http://schemas.microsoft.com/office/powerpoint/2010/main" Requires="p14">
+  <mc:AlternateContent xmlns:mc="http://schemas.openxmlformats.org/markup-compatibility/2006" xmlns:p14="http://schemas.microsoft.com/office/powerpoint/2010/main">
+    <mc:Choice Requires="p14">
       <p:transition spd="slow" p14:dur="2000" advTm="66230"/>
     </mc:Choice>
-    <mc:Fallback>
+    <mc:Fallback xmlns="">
       <p:transition spd="slow" advTm="66230"/>
     </mc:Fallback>
   </mc:AlternateContent>
